--- a/ppt 16-9/0364.朋友请听.pptx
+++ b/ppt 16-9/0364.朋友请听.pptx
@@ -5,7 +5,7 @@
     <p:sldMasterId id="2147483648" r:id="rId1"/>
   </p:sldMasterIdLst>
   <p:sldIdLst>
-    <p:sldId id="3274" r:id="rId2"/>
+    <p:sldId id="3275" r:id="rId2"/>
   </p:sldIdLst>
   <p:sldSz cx="12192000" cy="6858000"/>
   <p:notesSz cx="6858000" cy="9144000"/>
@@ -129,7 +129,7 @@
           <p:cNvPr id="2" name="标题 1">
             <a:extLst>
               <a:ext uri="{FF2B5EF4-FFF2-40B4-BE49-F238E27FC236}">
-                <a16:creationId xmlns:a16="http://schemas.microsoft.com/office/drawing/2014/main" id="{91093388-6034-4054-C301-E72A50494FE9}"/>
+                <a16:creationId xmlns:a16="http://schemas.microsoft.com/office/drawing/2014/main" id="{CCBDCAC8-ACF3-4A7B-D88E-ABFB35BEE8BA}"/>
               </a:ext>
             </a:extLst>
           </p:cNvPr>
@@ -166,7 +166,7 @@
           <p:cNvPr id="3" name="副标题 2">
             <a:extLst>
               <a:ext uri="{FF2B5EF4-FFF2-40B4-BE49-F238E27FC236}">
-                <a16:creationId xmlns:a16="http://schemas.microsoft.com/office/drawing/2014/main" id="{DA88B81F-5CD2-E29E-AD9D-BC2A1EB51B1C}"/>
+                <a16:creationId xmlns:a16="http://schemas.microsoft.com/office/drawing/2014/main" id="{8E37D169-D2FD-4C5A-BC68-5D2C2F08577F}"/>
               </a:ext>
             </a:extLst>
           </p:cNvPr>
@@ -236,7 +236,7 @@
           <p:cNvPr id="4" name="日期占位符 3">
             <a:extLst>
               <a:ext uri="{FF2B5EF4-FFF2-40B4-BE49-F238E27FC236}">
-                <a16:creationId xmlns:a16="http://schemas.microsoft.com/office/drawing/2014/main" id="{7482D135-1D93-C92B-A98D-52A03A1BDF82}"/>
+                <a16:creationId xmlns:a16="http://schemas.microsoft.com/office/drawing/2014/main" id="{0AFA016D-1C38-BE92-3225-9C29B2622D79}"/>
               </a:ext>
             </a:extLst>
           </p:cNvPr>
@@ -252,7 +252,7 @@
           <a:bodyPr/>
           <a:lstStyle/>
           <a:p>
-            <a:fld id="{9C6E38C6-04F2-49FB-BA12-6D22F1BD83FD}" type="datetimeFigureOut">
+            <a:fld id="{AD0817E9-1A25-4BDC-AD39-0C1A3F92BD95}" type="datetimeFigureOut">
               <a:rPr lang="zh-CN" altLang="en-US" smtClean="0"/>
               <a:t>2024/3/10</a:t>
             </a:fld>
@@ -265,7 +265,7 @@
           <p:cNvPr id="5" name="页脚占位符 4">
             <a:extLst>
               <a:ext uri="{FF2B5EF4-FFF2-40B4-BE49-F238E27FC236}">
-                <a16:creationId xmlns:a16="http://schemas.microsoft.com/office/drawing/2014/main" id="{2EC4F989-EC94-D22C-C3DD-EC94953B9D10}"/>
+                <a16:creationId xmlns:a16="http://schemas.microsoft.com/office/drawing/2014/main" id="{F0900A8D-63AC-83E9-9F5B-DFC7C53DA171}"/>
               </a:ext>
             </a:extLst>
           </p:cNvPr>
@@ -290,7 +290,7 @@
           <p:cNvPr id="6" name="灯片编号占位符 5">
             <a:extLst>
               <a:ext uri="{FF2B5EF4-FFF2-40B4-BE49-F238E27FC236}">
-                <a16:creationId xmlns:a16="http://schemas.microsoft.com/office/drawing/2014/main" id="{AF455521-F435-BCAE-10E3-322DE169F90B}"/>
+                <a16:creationId xmlns:a16="http://schemas.microsoft.com/office/drawing/2014/main" id="{DAECCFDE-8783-FA76-ED99-9204A10A1245}"/>
               </a:ext>
             </a:extLst>
           </p:cNvPr>
@@ -306,7 +306,7 @@
           <a:bodyPr/>
           <a:lstStyle/>
           <a:p>
-            <a:fld id="{CA7C2459-FDB0-446B-82BB-369E387A7324}" type="slidenum">
+            <a:fld id="{8935B087-26F9-49A5-A3ED-B53DFD571426}" type="slidenum">
               <a:rPr lang="zh-CN" altLang="en-US" smtClean="0"/>
               <a:t>‹#›</a:t>
             </a:fld>
@@ -317,7 +317,7 @@
     </p:spTree>
     <p:extLst>
       <p:ext uri="{BB962C8B-B14F-4D97-AF65-F5344CB8AC3E}">
-        <p14:creationId xmlns:p14="http://schemas.microsoft.com/office/powerpoint/2010/main" val="1382818992"/>
+        <p14:creationId xmlns:p14="http://schemas.microsoft.com/office/powerpoint/2010/main" val="1341128985"/>
       </p:ext>
     </p:extLst>
   </p:cSld>
@@ -349,7 +349,7 @@
           <p:cNvPr id="2" name="标题 1">
             <a:extLst>
               <a:ext uri="{FF2B5EF4-FFF2-40B4-BE49-F238E27FC236}">
-                <a16:creationId xmlns:a16="http://schemas.microsoft.com/office/drawing/2014/main" id="{2DF23927-49A0-73F7-017B-DFED750B8400}"/>
+                <a16:creationId xmlns:a16="http://schemas.microsoft.com/office/drawing/2014/main" id="{85CC1E82-5DF4-69F2-ACE9-746D0AD19E89}"/>
               </a:ext>
             </a:extLst>
           </p:cNvPr>
@@ -377,7 +377,7 @@
           <p:cNvPr id="3" name="竖排文字占位符 2">
             <a:extLst>
               <a:ext uri="{FF2B5EF4-FFF2-40B4-BE49-F238E27FC236}">
-                <a16:creationId xmlns:a16="http://schemas.microsoft.com/office/drawing/2014/main" id="{28338987-FF3D-0D9C-61D5-24834FA61EEB}"/>
+                <a16:creationId xmlns:a16="http://schemas.microsoft.com/office/drawing/2014/main" id="{86836C3A-009A-12A8-346B-89627BF617F6}"/>
               </a:ext>
             </a:extLst>
           </p:cNvPr>
@@ -434,7 +434,7 @@
           <p:cNvPr id="4" name="日期占位符 3">
             <a:extLst>
               <a:ext uri="{FF2B5EF4-FFF2-40B4-BE49-F238E27FC236}">
-                <a16:creationId xmlns:a16="http://schemas.microsoft.com/office/drawing/2014/main" id="{AF6271FE-C9AA-2B81-23C9-25F1B729B76F}"/>
+                <a16:creationId xmlns:a16="http://schemas.microsoft.com/office/drawing/2014/main" id="{C8D77952-4DEA-401B-B24E-7F87D9BB64A6}"/>
               </a:ext>
             </a:extLst>
           </p:cNvPr>
@@ -450,7 +450,7 @@
           <a:bodyPr/>
           <a:lstStyle/>
           <a:p>
-            <a:fld id="{9C6E38C6-04F2-49FB-BA12-6D22F1BD83FD}" type="datetimeFigureOut">
+            <a:fld id="{AD0817E9-1A25-4BDC-AD39-0C1A3F92BD95}" type="datetimeFigureOut">
               <a:rPr lang="zh-CN" altLang="en-US" smtClean="0"/>
               <a:t>2024/3/10</a:t>
             </a:fld>
@@ -463,7 +463,7 @@
           <p:cNvPr id="5" name="页脚占位符 4">
             <a:extLst>
               <a:ext uri="{FF2B5EF4-FFF2-40B4-BE49-F238E27FC236}">
-                <a16:creationId xmlns:a16="http://schemas.microsoft.com/office/drawing/2014/main" id="{7B1F57CA-2DEE-2C8B-5DBB-1A2657A91AF2}"/>
+                <a16:creationId xmlns:a16="http://schemas.microsoft.com/office/drawing/2014/main" id="{5FD7D32B-EE38-FA50-5E0C-D78863F77AC0}"/>
               </a:ext>
             </a:extLst>
           </p:cNvPr>
@@ -488,7 +488,7 @@
           <p:cNvPr id="6" name="灯片编号占位符 5">
             <a:extLst>
               <a:ext uri="{FF2B5EF4-FFF2-40B4-BE49-F238E27FC236}">
-                <a16:creationId xmlns:a16="http://schemas.microsoft.com/office/drawing/2014/main" id="{8BB7B510-86EE-BD38-B414-222B18B031B3}"/>
+                <a16:creationId xmlns:a16="http://schemas.microsoft.com/office/drawing/2014/main" id="{3A31317F-C69C-BBAF-A792-75D0E2A807F9}"/>
               </a:ext>
             </a:extLst>
           </p:cNvPr>
@@ -504,7 +504,7 @@
           <a:bodyPr/>
           <a:lstStyle/>
           <a:p>
-            <a:fld id="{CA7C2459-FDB0-446B-82BB-369E387A7324}" type="slidenum">
+            <a:fld id="{8935B087-26F9-49A5-A3ED-B53DFD571426}" type="slidenum">
               <a:rPr lang="zh-CN" altLang="en-US" smtClean="0"/>
               <a:t>‹#›</a:t>
             </a:fld>
@@ -515,7 +515,7 @@
     </p:spTree>
     <p:extLst>
       <p:ext uri="{BB962C8B-B14F-4D97-AF65-F5344CB8AC3E}">
-        <p14:creationId xmlns:p14="http://schemas.microsoft.com/office/powerpoint/2010/main" val="1851484147"/>
+        <p14:creationId xmlns:p14="http://schemas.microsoft.com/office/powerpoint/2010/main" val="2068432755"/>
       </p:ext>
     </p:extLst>
   </p:cSld>
@@ -547,7 +547,7 @@
           <p:cNvPr id="2" name="竖排标题 1">
             <a:extLst>
               <a:ext uri="{FF2B5EF4-FFF2-40B4-BE49-F238E27FC236}">
-                <a16:creationId xmlns:a16="http://schemas.microsoft.com/office/drawing/2014/main" id="{28FD09E1-7F0C-E586-7D56-9FA36175EEDC}"/>
+                <a16:creationId xmlns:a16="http://schemas.microsoft.com/office/drawing/2014/main" id="{4EB32203-8867-D2C5-B649-04C0878AEC8D}"/>
               </a:ext>
             </a:extLst>
           </p:cNvPr>
@@ -580,7 +580,7 @@
           <p:cNvPr id="3" name="竖排文字占位符 2">
             <a:extLst>
               <a:ext uri="{FF2B5EF4-FFF2-40B4-BE49-F238E27FC236}">
-                <a16:creationId xmlns:a16="http://schemas.microsoft.com/office/drawing/2014/main" id="{D8E6F098-22E9-A202-7844-ABF925B78313}"/>
+                <a16:creationId xmlns:a16="http://schemas.microsoft.com/office/drawing/2014/main" id="{C1162776-5390-B7C9-8AF6-39824B46C5F9}"/>
               </a:ext>
             </a:extLst>
           </p:cNvPr>
@@ -642,7 +642,7 @@
           <p:cNvPr id="4" name="日期占位符 3">
             <a:extLst>
               <a:ext uri="{FF2B5EF4-FFF2-40B4-BE49-F238E27FC236}">
-                <a16:creationId xmlns:a16="http://schemas.microsoft.com/office/drawing/2014/main" id="{F79AAFE2-BEA9-E807-E465-AD11F2BA777C}"/>
+                <a16:creationId xmlns:a16="http://schemas.microsoft.com/office/drawing/2014/main" id="{602E2877-7D15-2530-E1FB-6CAE483B12CC}"/>
               </a:ext>
             </a:extLst>
           </p:cNvPr>
@@ -658,7 +658,7 @@
           <a:bodyPr/>
           <a:lstStyle/>
           <a:p>
-            <a:fld id="{9C6E38C6-04F2-49FB-BA12-6D22F1BD83FD}" type="datetimeFigureOut">
+            <a:fld id="{AD0817E9-1A25-4BDC-AD39-0C1A3F92BD95}" type="datetimeFigureOut">
               <a:rPr lang="zh-CN" altLang="en-US" smtClean="0"/>
               <a:t>2024/3/10</a:t>
             </a:fld>
@@ -671,7 +671,7 @@
           <p:cNvPr id="5" name="页脚占位符 4">
             <a:extLst>
               <a:ext uri="{FF2B5EF4-FFF2-40B4-BE49-F238E27FC236}">
-                <a16:creationId xmlns:a16="http://schemas.microsoft.com/office/drawing/2014/main" id="{F664B22C-1EFF-6808-1DB6-EB21A36772D2}"/>
+                <a16:creationId xmlns:a16="http://schemas.microsoft.com/office/drawing/2014/main" id="{671C7E59-9339-4F3D-C969-005FD2AB033C}"/>
               </a:ext>
             </a:extLst>
           </p:cNvPr>
@@ -696,7 +696,7 @@
           <p:cNvPr id="6" name="灯片编号占位符 5">
             <a:extLst>
               <a:ext uri="{FF2B5EF4-FFF2-40B4-BE49-F238E27FC236}">
-                <a16:creationId xmlns:a16="http://schemas.microsoft.com/office/drawing/2014/main" id="{3DEB23FF-FF3B-B36F-267D-440D286B14F4}"/>
+                <a16:creationId xmlns:a16="http://schemas.microsoft.com/office/drawing/2014/main" id="{4AF6C0D5-1E81-97B2-9C82-9AE0718A9FEE}"/>
               </a:ext>
             </a:extLst>
           </p:cNvPr>
@@ -712,7 +712,7 @@
           <a:bodyPr/>
           <a:lstStyle/>
           <a:p>
-            <a:fld id="{CA7C2459-FDB0-446B-82BB-369E387A7324}" type="slidenum">
+            <a:fld id="{8935B087-26F9-49A5-A3ED-B53DFD571426}" type="slidenum">
               <a:rPr lang="zh-CN" altLang="en-US" smtClean="0"/>
               <a:t>‹#›</a:t>
             </a:fld>
@@ -723,7 +723,7 @@
     </p:spTree>
     <p:extLst>
       <p:ext uri="{BB962C8B-B14F-4D97-AF65-F5344CB8AC3E}">
-        <p14:creationId xmlns:p14="http://schemas.microsoft.com/office/powerpoint/2010/main" val="655190811"/>
+        <p14:creationId xmlns:p14="http://schemas.microsoft.com/office/powerpoint/2010/main" val="2751382384"/>
       </p:ext>
     </p:extLst>
   </p:cSld>
@@ -755,7 +755,7 @@
           <p:cNvPr id="2" name="标题 1">
             <a:extLst>
               <a:ext uri="{FF2B5EF4-FFF2-40B4-BE49-F238E27FC236}">
-                <a16:creationId xmlns:a16="http://schemas.microsoft.com/office/drawing/2014/main" id="{2944DD33-608C-CDB0-FC84-13C0D7D2BE9D}"/>
+                <a16:creationId xmlns:a16="http://schemas.microsoft.com/office/drawing/2014/main" id="{27197B4B-803B-0EE0-CEE2-01A2440D3327}"/>
               </a:ext>
             </a:extLst>
           </p:cNvPr>
@@ -783,7 +783,7 @@
           <p:cNvPr id="3" name="内容占位符 2">
             <a:extLst>
               <a:ext uri="{FF2B5EF4-FFF2-40B4-BE49-F238E27FC236}">
-                <a16:creationId xmlns:a16="http://schemas.microsoft.com/office/drawing/2014/main" id="{A81FCB47-17BD-9BC4-1C5B-9DB21B5AF861}"/>
+                <a16:creationId xmlns:a16="http://schemas.microsoft.com/office/drawing/2014/main" id="{87189478-9F1C-5726-49D0-C2605FD0265D}"/>
               </a:ext>
             </a:extLst>
           </p:cNvPr>
@@ -840,7 +840,7 @@
           <p:cNvPr id="4" name="日期占位符 3">
             <a:extLst>
               <a:ext uri="{FF2B5EF4-FFF2-40B4-BE49-F238E27FC236}">
-                <a16:creationId xmlns:a16="http://schemas.microsoft.com/office/drawing/2014/main" id="{2F5EEEEF-C580-5F4C-3D2A-A3475AE2AF83}"/>
+                <a16:creationId xmlns:a16="http://schemas.microsoft.com/office/drawing/2014/main" id="{0003ACB5-C478-A221-4EB0-51D137B010D9}"/>
               </a:ext>
             </a:extLst>
           </p:cNvPr>
@@ -856,7 +856,7 @@
           <a:bodyPr/>
           <a:lstStyle/>
           <a:p>
-            <a:fld id="{9C6E38C6-04F2-49FB-BA12-6D22F1BD83FD}" type="datetimeFigureOut">
+            <a:fld id="{AD0817E9-1A25-4BDC-AD39-0C1A3F92BD95}" type="datetimeFigureOut">
               <a:rPr lang="zh-CN" altLang="en-US" smtClean="0"/>
               <a:t>2024/3/10</a:t>
             </a:fld>
@@ -869,7 +869,7 @@
           <p:cNvPr id="5" name="页脚占位符 4">
             <a:extLst>
               <a:ext uri="{FF2B5EF4-FFF2-40B4-BE49-F238E27FC236}">
-                <a16:creationId xmlns:a16="http://schemas.microsoft.com/office/drawing/2014/main" id="{041B9575-DB19-8FC7-338B-1D8A0EE1AAE6}"/>
+                <a16:creationId xmlns:a16="http://schemas.microsoft.com/office/drawing/2014/main" id="{384EA32A-6F89-4EAB-6FAB-394E89D441BD}"/>
               </a:ext>
             </a:extLst>
           </p:cNvPr>
@@ -894,7 +894,7 @@
           <p:cNvPr id="6" name="灯片编号占位符 5">
             <a:extLst>
               <a:ext uri="{FF2B5EF4-FFF2-40B4-BE49-F238E27FC236}">
-                <a16:creationId xmlns:a16="http://schemas.microsoft.com/office/drawing/2014/main" id="{8BEA622A-9B8A-DAF9-0ED4-4F71CF76F139}"/>
+                <a16:creationId xmlns:a16="http://schemas.microsoft.com/office/drawing/2014/main" id="{7E83A56D-F3B3-2A78-96D5-3E491708CA3D}"/>
               </a:ext>
             </a:extLst>
           </p:cNvPr>
@@ -910,7 +910,7 @@
           <a:bodyPr/>
           <a:lstStyle/>
           <a:p>
-            <a:fld id="{CA7C2459-FDB0-446B-82BB-369E387A7324}" type="slidenum">
+            <a:fld id="{8935B087-26F9-49A5-A3ED-B53DFD571426}" type="slidenum">
               <a:rPr lang="zh-CN" altLang="en-US" smtClean="0"/>
               <a:t>‹#›</a:t>
             </a:fld>
@@ -921,7 +921,7 @@
     </p:spTree>
     <p:extLst>
       <p:ext uri="{BB962C8B-B14F-4D97-AF65-F5344CB8AC3E}">
-        <p14:creationId xmlns:p14="http://schemas.microsoft.com/office/powerpoint/2010/main" val="2976402258"/>
+        <p14:creationId xmlns:p14="http://schemas.microsoft.com/office/powerpoint/2010/main" val="2986694663"/>
       </p:ext>
     </p:extLst>
   </p:cSld>
@@ -953,7 +953,7 @@
           <p:cNvPr id="2" name="标题 1">
             <a:extLst>
               <a:ext uri="{FF2B5EF4-FFF2-40B4-BE49-F238E27FC236}">
-                <a16:creationId xmlns:a16="http://schemas.microsoft.com/office/drawing/2014/main" id="{830B7B94-35E9-5599-271F-5D4C4222D27E}"/>
+                <a16:creationId xmlns:a16="http://schemas.microsoft.com/office/drawing/2014/main" id="{1D60C1D9-5628-1753-2B1D-08271A647250}"/>
               </a:ext>
             </a:extLst>
           </p:cNvPr>
@@ -990,7 +990,7 @@
           <p:cNvPr id="3" name="文本占位符 2">
             <a:extLst>
               <a:ext uri="{FF2B5EF4-FFF2-40B4-BE49-F238E27FC236}">
-                <a16:creationId xmlns:a16="http://schemas.microsoft.com/office/drawing/2014/main" id="{AE721A16-3C7C-D08B-EF5E-1E2ED73978BE}"/>
+                <a16:creationId xmlns:a16="http://schemas.microsoft.com/office/drawing/2014/main" id="{A06A178D-4291-1E01-47F2-A9FDBEF093F5}"/>
               </a:ext>
             </a:extLst>
           </p:cNvPr>
@@ -1115,7 +1115,7 @@
           <p:cNvPr id="4" name="日期占位符 3">
             <a:extLst>
               <a:ext uri="{FF2B5EF4-FFF2-40B4-BE49-F238E27FC236}">
-                <a16:creationId xmlns:a16="http://schemas.microsoft.com/office/drawing/2014/main" id="{78F945D2-C466-04DD-7EF9-928F72DE8658}"/>
+                <a16:creationId xmlns:a16="http://schemas.microsoft.com/office/drawing/2014/main" id="{49473BEC-09F5-7D52-6F5E-5750B1568B71}"/>
               </a:ext>
             </a:extLst>
           </p:cNvPr>
@@ -1131,7 +1131,7 @@
           <a:bodyPr/>
           <a:lstStyle/>
           <a:p>
-            <a:fld id="{9C6E38C6-04F2-49FB-BA12-6D22F1BD83FD}" type="datetimeFigureOut">
+            <a:fld id="{AD0817E9-1A25-4BDC-AD39-0C1A3F92BD95}" type="datetimeFigureOut">
               <a:rPr lang="zh-CN" altLang="en-US" smtClean="0"/>
               <a:t>2024/3/10</a:t>
             </a:fld>
@@ -1144,7 +1144,7 @@
           <p:cNvPr id="5" name="页脚占位符 4">
             <a:extLst>
               <a:ext uri="{FF2B5EF4-FFF2-40B4-BE49-F238E27FC236}">
-                <a16:creationId xmlns:a16="http://schemas.microsoft.com/office/drawing/2014/main" id="{7688E578-C65C-2569-C095-1A41258F78FF}"/>
+                <a16:creationId xmlns:a16="http://schemas.microsoft.com/office/drawing/2014/main" id="{CE22435F-5A71-588B-0FBC-8501F9FE8C6D}"/>
               </a:ext>
             </a:extLst>
           </p:cNvPr>
@@ -1169,7 +1169,7 @@
           <p:cNvPr id="6" name="灯片编号占位符 5">
             <a:extLst>
               <a:ext uri="{FF2B5EF4-FFF2-40B4-BE49-F238E27FC236}">
-                <a16:creationId xmlns:a16="http://schemas.microsoft.com/office/drawing/2014/main" id="{576BE3C7-10D0-9AD9-2057-E61139FA36D1}"/>
+                <a16:creationId xmlns:a16="http://schemas.microsoft.com/office/drawing/2014/main" id="{13BC9D70-7AB7-8B63-2A17-7CB07E2541A3}"/>
               </a:ext>
             </a:extLst>
           </p:cNvPr>
@@ -1185,7 +1185,7 @@
           <a:bodyPr/>
           <a:lstStyle/>
           <a:p>
-            <a:fld id="{CA7C2459-FDB0-446B-82BB-369E387A7324}" type="slidenum">
+            <a:fld id="{8935B087-26F9-49A5-A3ED-B53DFD571426}" type="slidenum">
               <a:rPr lang="zh-CN" altLang="en-US" smtClean="0"/>
               <a:t>‹#›</a:t>
             </a:fld>
@@ -1196,7 +1196,7 @@
     </p:spTree>
     <p:extLst>
       <p:ext uri="{BB962C8B-B14F-4D97-AF65-F5344CB8AC3E}">
-        <p14:creationId xmlns:p14="http://schemas.microsoft.com/office/powerpoint/2010/main" val="2576104635"/>
+        <p14:creationId xmlns:p14="http://schemas.microsoft.com/office/powerpoint/2010/main" val="336979420"/>
       </p:ext>
     </p:extLst>
   </p:cSld>
@@ -1228,7 +1228,7 @@
           <p:cNvPr id="2" name="标题 1">
             <a:extLst>
               <a:ext uri="{FF2B5EF4-FFF2-40B4-BE49-F238E27FC236}">
-                <a16:creationId xmlns:a16="http://schemas.microsoft.com/office/drawing/2014/main" id="{851C9B38-A9B7-1BD8-43DC-96F25028A4D0}"/>
+                <a16:creationId xmlns:a16="http://schemas.microsoft.com/office/drawing/2014/main" id="{E4FAB278-36A8-49C1-876B-33F7B91F348C}"/>
               </a:ext>
             </a:extLst>
           </p:cNvPr>
@@ -1256,7 +1256,7 @@
           <p:cNvPr id="3" name="内容占位符 2">
             <a:extLst>
               <a:ext uri="{FF2B5EF4-FFF2-40B4-BE49-F238E27FC236}">
-                <a16:creationId xmlns:a16="http://schemas.microsoft.com/office/drawing/2014/main" id="{B07DDCD6-340C-1F8F-31BE-2B853E606559}"/>
+                <a16:creationId xmlns:a16="http://schemas.microsoft.com/office/drawing/2014/main" id="{A18C8878-BD72-1550-AF20-5A70AB4B4DCA}"/>
               </a:ext>
             </a:extLst>
           </p:cNvPr>
@@ -1318,7 +1318,7 @@
           <p:cNvPr id="4" name="内容占位符 3">
             <a:extLst>
               <a:ext uri="{FF2B5EF4-FFF2-40B4-BE49-F238E27FC236}">
-                <a16:creationId xmlns:a16="http://schemas.microsoft.com/office/drawing/2014/main" id="{A85A8817-2C10-153E-9215-F6F51C1520A6}"/>
+                <a16:creationId xmlns:a16="http://schemas.microsoft.com/office/drawing/2014/main" id="{FE9DCC4C-0FC2-57D4-F4AA-02991CD6DC4C}"/>
               </a:ext>
             </a:extLst>
           </p:cNvPr>
@@ -1380,7 +1380,7 @@
           <p:cNvPr id="5" name="日期占位符 4">
             <a:extLst>
               <a:ext uri="{FF2B5EF4-FFF2-40B4-BE49-F238E27FC236}">
-                <a16:creationId xmlns:a16="http://schemas.microsoft.com/office/drawing/2014/main" id="{89DCDF46-FCA6-7D68-E676-E58902635FD7}"/>
+                <a16:creationId xmlns:a16="http://schemas.microsoft.com/office/drawing/2014/main" id="{6EA0553B-3BB2-342A-791B-4AA29A902460}"/>
               </a:ext>
             </a:extLst>
           </p:cNvPr>
@@ -1396,7 +1396,7 @@
           <a:bodyPr/>
           <a:lstStyle/>
           <a:p>
-            <a:fld id="{9C6E38C6-04F2-49FB-BA12-6D22F1BD83FD}" type="datetimeFigureOut">
+            <a:fld id="{AD0817E9-1A25-4BDC-AD39-0C1A3F92BD95}" type="datetimeFigureOut">
               <a:rPr lang="zh-CN" altLang="en-US" smtClean="0"/>
               <a:t>2024/3/10</a:t>
             </a:fld>
@@ -1409,7 +1409,7 @@
           <p:cNvPr id="6" name="页脚占位符 5">
             <a:extLst>
               <a:ext uri="{FF2B5EF4-FFF2-40B4-BE49-F238E27FC236}">
-                <a16:creationId xmlns:a16="http://schemas.microsoft.com/office/drawing/2014/main" id="{CF242F02-CC69-C121-4143-3836180C4D07}"/>
+                <a16:creationId xmlns:a16="http://schemas.microsoft.com/office/drawing/2014/main" id="{41D23AAD-7650-4D43-5B68-FCECCE2BA739}"/>
               </a:ext>
             </a:extLst>
           </p:cNvPr>
@@ -1434,7 +1434,7 @@
           <p:cNvPr id="7" name="灯片编号占位符 6">
             <a:extLst>
               <a:ext uri="{FF2B5EF4-FFF2-40B4-BE49-F238E27FC236}">
-                <a16:creationId xmlns:a16="http://schemas.microsoft.com/office/drawing/2014/main" id="{A22E7BF4-D6DC-274F-9242-D3A434E69244}"/>
+                <a16:creationId xmlns:a16="http://schemas.microsoft.com/office/drawing/2014/main" id="{BD68A432-27F4-BD8F-26CC-47EC03AF533F}"/>
               </a:ext>
             </a:extLst>
           </p:cNvPr>
@@ -1450,7 +1450,7 @@
           <a:bodyPr/>
           <a:lstStyle/>
           <a:p>
-            <a:fld id="{CA7C2459-FDB0-446B-82BB-369E387A7324}" type="slidenum">
+            <a:fld id="{8935B087-26F9-49A5-A3ED-B53DFD571426}" type="slidenum">
               <a:rPr lang="zh-CN" altLang="en-US" smtClean="0"/>
               <a:t>‹#›</a:t>
             </a:fld>
@@ -1461,7 +1461,7 @@
     </p:spTree>
     <p:extLst>
       <p:ext uri="{BB962C8B-B14F-4D97-AF65-F5344CB8AC3E}">
-        <p14:creationId xmlns:p14="http://schemas.microsoft.com/office/powerpoint/2010/main" val="2355575025"/>
+        <p14:creationId xmlns:p14="http://schemas.microsoft.com/office/powerpoint/2010/main" val="2857625016"/>
       </p:ext>
     </p:extLst>
   </p:cSld>
@@ -1493,7 +1493,7 @@
           <p:cNvPr id="2" name="标题 1">
             <a:extLst>
               <a:ext uri="{FF2B5EF4-FFF2-40B4-BE49-F238E27FC236}">
-                <a16:creationId xmlns:a16="http://schemas.microsoft.com/office/drawing/2014/main" id="{E7810417-89E1-60A6-FE9C-CDE95DD6060B}"/>
+                <a16:creationId xmlns:a16="http://schemas.microsoft.com/office/drawing/2014/main" id="{22A75254-5ABB-897A-156D-344C5C78D55B}"/>
               </a:ext>
             </a:extLst>
           </p:cNvPr>
@@ -1526,7 +1526,7 @@
           <p:cNvPr id="3" name="文本占位符 2">
             <a:extLst>
               <a:ext uri="{FF2B5EF4-FFF2-40B4-BE49-F238E27FC236}">
-                <a16:creationId xmlns:a16="http://schemas.microsoft.com/office/drawing/2014/main" id="{8E0CBC1A-D489-991D-6660-D910BC2B7237}"/>
+                <a16:creationId xmlns:a16="http://schemas.microsoft.com/office/drawing/2014/main" id="{3687C196-25EF-1D77-1AB5-95265FC4966D}"/>
               </a:ext>
             </a:extLst>
           </p:cNvPr>
@@ -1597,7 +1597,7 @@
           <p:cNvPr id="4" name="内容占位符 3">
             <a:extLst>
               <a:ext uri="{FF2B5EF4-FFF2-40B4-BE49-F238E27FC236}">
-                <a16:creationId xmlns:a16="http://schemas.microsoft.com/office/drawing/2014/main" id="{E8FBC637-A7BC-64EF-BB74-D486BC2DD019}"/>
+                <a16:creationId xmlns:a16="http://schemas.microsoft.com/office/drawing/2014/main" id="{2F6B5306-E636-0C0F-47CF-3A3AF95B4915}"/>
               </a:ext>
             </a:extLst>
           </p:cNvPr>
@@ -1659,7 +1659,7 @@
           <p:cNvPr id="5" name="文本占位符 4">
             <a:extLst>
               <a:ext uri="{FF2B5EF4-FFF2-40B4-BE49-F238E27FC236}">
-                <a16:creationId xmlns:a16="http://schemas.microsoft.com/office/drawing/2014/main" id="{B73CEBD6-F1CB-A820-A145-5D331BAC2C4A}"/>
+                <a16:creationId xmlns:a16="http://schemas.microsoft.com/office/drawing/2014/main" id="{CC679BC9-F048-7D59-3B7F-A21DF3769DD9}"/>
               </a:ext>
             </a:extLst>
           </p:cNvPr>
@@ -1730,7 +1730,7 @@
           <p:cNvPr id="6" name="内容占位符 5">
             <a:extLst>
               <a:ext uri="{FF2B5EF4-FFF2-40B4-BE49-F238E27FC236}">
-                <a16:creationId xmlns:a16="http://schemas.microsoft.com/office/drawing/2014/main" id="{60661F42-096E-1208-FC7B-BE4FBDA88654}"/>
+                <a16:creationId xmlns:a16="http://schemas.microsoft.com/office/drawing/2014/main" id="{6DF7B98B-9D5C-DBE4-44FD-053012AA9C44}"/>
               </a:ext>
             </a:extLst>
           </p:cNvPr>
@@ -1792,7 +1792,7 @@
           <p:cNvPr id="7" name="日期占位符 6">
             <a:extLst>
               <a:ext uri="{FF2B5EF4-FFF2-40B4-BE49-F238E27FC236}">
-                <a16:creationId xmlns:a16="http://schemas.microsoft.com/office/drawing/2014/main" id="{173CE923-554E-79D4-20C9-5F47116B8D20}"/>
+                <a16:creationId xmlns:a16="http://schemas.microsoft.com/office/drawing/2014/main" id="{814F886D-A5C1-75C0-FD91-F6B12ED8B54C}"/>
               </a:ext>
             </a:extLst>
           </p:cNvPr>
@@ -1808,7 +1808,7 @@
           <a:bodyPr/>
           <a:lstStyle/>
           <a:p>
-            <a:fld id="{9C6E38C6-04F2-49FB-BA12-6D22F1BD83FD}" type="datetimeFigureOut">
+            <a:fld id="{AD0817E9-1A25-4BDC-AD39-0C1A3F92BD95}" type="datetimeFigureOut">
               <a:rPr lang="zh-CN" altLang="en-US" smtClean="0"/>
               <a:t>2024/3/10</a:t>
             </a:fld>
@@ -1821,7 +1821,7 @@
           <p:cNvPr id="8" name="页脚占位符 7">
             <a:extLst>
               <a:ext uri="{FF2B5EF4-FFF2-40B4-BE49-F238E27FC236}">
-                <a16:creationId xmlns:a16="http://schemas.microsoft.com/office/drawing/2014/main" id="{FDAFFA60-49BF-EA4D-A6AC-EEADD9A95B7C}"/>
+                <a16:creationId xmlns:a16="http://schemas.microsoft.com/office/drawing/2014/main" id="{995A8793-A584-9CA4-9450-17F1BE8682D7}"/>
               </a:ext>
             </a:extLst>
           </p:cNvPr>
@@ -1846,7 +1846,7 @@
           <p:cNvPr id="9" name="灯片编号占位符 8">
             <a:extLst>
               <a:ext uri="{FF2B5EF4-FFF2-40B4-BE49-F238E27FC236}">
-                <a16:creationId xmlns:a16="http://schemas.microsoft.com/office/drawing/2014/main" id="{C6BDFEB6-7C83-ABA5-F30C-CA2C883AD375}"/>
+                <a16:creationId xmlns:a16="http://schemas.microsoft.com/office/drawing/2014/main" id="{8EE4DB96-4EC2-1355-9003-31206DC72FA5}"/>
               </a:ext>
             </a:extLst>
           </p:cNvPr>
@@ -1862,7 +1862,7 @@
           <a:bodyPr/>
           <a:lstStyle/>
           <a:p>
-            <a:fld id="{CA7C2459-FDB0-446B-82BB-369E387A7324}" type="slidenum">
+            <a:fld id="{8935B087-26F9-49A5-A3ED-B53DFD571426}" type="slidenum">
               <a:rPr lang="zh-CN" altLang="en-US" smtClean="0"/>
               <a:t>‹#›</a:t>
             </a:fld>
@@ -1873,7 +1873,7 @@
     </p:spTree>
     <p:extLst>
       <p:ext uri="{BB962C8B-B14F-4D97-AF65-F5344CB8AC3E}">
-        <p14:creationId xmlns:p14="http://schemas.microsoft.com/office/powerpoint/2010/main" val="371723346"/>
+        <p14:creationId xmlns:p14="http://schemas.microsoft.com/office/powerpoint/2010/main" val="1317171528"/>
       </p:ext>
     </p:extLst>
   </p:cSld>
@@ -1905,7 +1905,7 @@
           <p:cNvPr id="2" name="标题 1">
             <a:extLst>
               <a:ext uri="{FF2B5EF4-FFF2-40B4-BE49-F238E27FC236}">
-                <a16:creationId xmlns:a16="http://schemas.microsoft.com/office/drawing/2014/main" id="{670F5AB3-E41D-1E9C-1313-0C5F99A146B6}"/>
+                <a16:creationId xmlns:a16="http://schemas.microsoft.com/office/drawing/2014/main" id="{BB455636-0721-B032-A4D5-399DD711524F}"/>
               </a:ext>
             </a:extLst>
           </p:cNvPr>
@@ -1933,7 +1933,7 @@
           <p:cNvPr id="3" name="日期占位符 2">
             <a:extLst>
               <a:ext uri="{FF2B5EF4-FFF2-40B4-BE49-F238E27FC236}">
-                <a16:creationId xmlns:a16="http://schemas.microsoft.com/office/drawing/2014/main" id="{C2BBDF9B-4C13-74AE-9D04-478A50440DCF}"/>
+                <a16:creationId xmlns:a16="http://schemas.microsoft.com/office/drawing/2014/main" id="{85FDC35D-C28C-A1FA-118E-0CB5854A51DF}"/>
               </a:ext>
             </a:extLst>
           </p:cNvPr>
@@ -1949,7 +1949,7 @@
           <a:bodyPr/>
           <a:lstStyle/>
           <a:p>
-            <a:fld id="{9C6E38C6-04F2-49FB-BA12-6D22F1BD83FD}" type="datetimeFigureOut">
+            <a:fld id="{AD0817E9-1A25-4BDC-AD39-0C1A3F92BD95}" type="datetimeFigureOut">
               <a:rPr lang="zh-CN" altLang="en-US" smtClean="0"/>
               <a:t>2024/3/10</a:t>
             </a:fld>
@@ -1962,7 +1962,7 @@
           <p:cNvPr id="4" name="页脚占位符 3">
             <a:extLst>
               <a:ext uri="{FF2B5EF4-FFF2-40B4-BE49-F238E27FC236}">
-                <a16:creationId xmlns:a16="http://schemas.microsoft.com/office/drawing/2014/main" id="{6A20BE56-E1BA-3259-5E1C-1B3F8F5828C6}"/>
+                <a16:creationId xmlns:a16="http://schemas.microsoft.com/office/drawing/2014/main" id="{A56C6E74-4981-D91D-16D8-7A89F2CA598C}"/>
               </a:ext>
             </a:extLst>
           </p:cNvPr>
@@ -1987,7 +1987,7 @@
           <p:cNvPr id="5" name="灯片编号占位符 4">
             <a:extLst>
               <a:ext uri="{FF2B5EF4-FFF2-40B4-BE49-F238E27FC236}">
-                <a16:creationId xmlns:a16="http://schemas.microsoft.com/office/drawing/2014/main" id="{D3CF41E7-69C0-9CD3-623D-4C90DF91205B}"/>
+                <a16:creationId xmlns:a16="http://schemas.microsoft.com/office/drawing/2014/main" id="{91902618-0999-8291-89E2-45F6247E8A93}"/>
               </a:ext>
             </a:extLst>
           </p:cNvPr>
@@ -2003,7 +2003,7 @@
           <a:bodyPr/>
           <a:lstStyle/>
           <a:p>
-            <a:fld id="{CA7C2459-FDB0-446B-82BB-369E387A7324}" type="slidenum">
+            <a:fld id="{8935B087-26F9-49A5-A3ED-B53DFD571426}" type="slidenum">
               <a:rPr lang="zh-CN" altLang="en-US" smtClean="0"/>
               <a:t>‹#›</a:t>
             </a:fld>
@@ -2014,7 +2014,7 @@
     </p:spTree>
     <p:extLst>
       <p:ext uri="{BB962C8B-B14F-4D97-AF65-F5344CB8AC3E}">
-        <p14:creationId xmlns:p14="http://schemas.microsoft.com/office/powerpoint/2010/main" val="1006025345"/>
+        <p14:creationId xmlns:p14="http://schemas.microsoft.com/office/powerpoint/2010/main" val="1789084285"/>
       </p:ext>
     </p:extLst>
   </p:cSld>
@@ -2046,7 +2046,7 @@
           <p:cNvPr id="2" name="日期占位符 1">
             <a:extLst>
               <a:ext uri="{FF2B5EF4-FFF2-40B4-BE49-F238E27FC236}">
-                <a16:creationId xmlns:a16="http://schemas.microsoft.com/office/drawing/2014/main" id="{0B82FABB-370A-C27F-032B-C0FEFEA0E39A}"/>
+                <a16:creationId xmlns:a16="http://schemas.microsoft.com/office/drawing/2014/main" id="{34D08EDD-9956-F3E8-3C6D-13A60867063A}"/>
               </a:ext>
             </a:extLst>
           </p:cNvPr>
@@ -2062,7 +2062,7 @@
           <a:bodyPr/>
           <a:lstStyle/>
           <a:p>
-            <a:fld id="{9C6E38C6-04F2-49FB-BA12-6D22F1BD83FD}" type="datetimeFigureOut">
+            <a:fld id="{AD0817E9-1A25-4BDC-AD39-0C1A3F92BD95}" type="datetimeFigureOut">
               <a:rPr lang="zh-CN" altLang="en-US" smtClean="0"/>
               <a:t>2024/3/10</a:t>
             </a:fld>
@@ -2075,7 +2075,7 @@
           <p:cNvPr id="3" name="页脚占位符 2">
             <a:extLst>
               <a:ext uri="{FF2B5EF4-FFF2-40B4-BE49-F238E27FC236}">
-                <a16:creationId xmlns:a16="http://schemas.microsoft.com/office/drawing/2014/main" id="{1A423956-0910-6154-6681-06831D924F66}"/>
+                <a16:creationId xmlns:a16="http://schemas.microsoft.com/office/drawing/2014/main" id="{F8998DA5-F92A-5683-F5BD-0B53F549C44E}"/>
               </a:ext>
             </a:extLst>
           </p:cNvPr>
@@ -2100,7 +2100,7 @@
           <p:cNvPr id="4" name="灯片编号占位符 3">
             <a:extLst>
               <a:ext uri="{FF2B5EF4-FFF2-40B4-BE49-F238E27FC236}">
-                <a16:creationId xmlns:a16="http://schemas.microsoft.com/office/drawing/2014/main" id="{9BBC06C2-96E3-9817-0F33-5396C8EB0833}"/>
+                <a16:creationId xmlns:a16="http://schemas.microsoft.com/office/drawing/2014/main" id="{8D251FDD-C1D3-3A27-98A6-A2401003E578}"/>
               </a:ext>
             </a:extLst>
           </p:cNvPr>
@@ -2116,7 +2116,7 @@
           <a:bodyPr/>
           <a:lstStyle/>
           <a:p>
-            <a:fld id="{CA7C2459-FDB0-446B-82BB-369E387A7324}" type="slidenum">
+            <a:fld id="{8935B087-26F9-49A5-A3ED-B53DFD571426}" type="slidenum">
               <a:rPr lang="zh-CN" altLang="en-US" smtClean="0"/>
               <a:t>‹#›</a:t>
             </a:fld>
@@ -2127,7 +2127,7 @@
     </p:spTree>
     <p:extLst>
       <p:ext uri="{BB962C8B-B14F-4D97-AF65-F5344CB8AC3E}">
-        <p14:creationId xmlns:p14="http://schemas.microsoft.com/office/powerpoint/2010/main" val="1751492952"/>
+        <p14:creationId xmlns:p14="http://schemas.microsoft.com/office/powerpoint/2010/main" val="221089765"/>
       </p:ext>
     </p:extLst>
   </p:cSld>
@@ -2159,7 +2159,7 @@
           <p:cNvPr id="2" name="标题 1">
             <a:extLst>
               <a:ext uri="{FF2B5EF4-FFF2-40B4-BE49-F238E27FC236}">
-                <a16:creationId xmlns:a16="http://schemas.microsoft.com/office/drawing/2014/main" id="{DBFCD0CA-E3C8-3A81-3B27-31894F3A24A7}"/>
+                <a16:creationId xmlns:a16="http://schemas.microsoft.com/office/drawing/2014/main" id="{03C80295-F1E2-7A3F-E8B0-754EE8BFC5A2}"/>
               </a:ext>
             </a:extLst>
           </p:cNvPr>
@@ -2196,7 +2196,7 @@
           <p:cNvPr id="3" name="内容占位符 2">
             <a:extLst>
               <a:ext uri="{FF2B5EF4-FFF2-40B4-BE49-F238E27FC236}">
-                <a16:creationId xmlns:a16="http://schemas.microsoft.com/office/drawing/2014/main" id="{326FC9C5-A69F-2230-2C68-442917D421ED}"/>
+                <a16:creationId xmlns:a16="http://schemas.microsoft.com/office/drawing/2014/main" id="{BD4CB379-A3B1-DBFA-2AB1-7D50E317F6CC}"/>
               </a:ext>
             </a:extLst>
           </p:cNvPr>
@@ -2286,7 +2286,7 @@
           <p:cNvPr id="4" name="文本占位符 3">
             <a:extLst>
               <a:ext uri="{FF2B5EF4-FFF2-40B4-BE49-F238E27FC236}">
-                <a16:creationId xmlns:a16="http://schemas.microsoft.com/office/drawing/2014/main" id="{5EDB4D61-6844-3003-192C-BCEA56B63BE4}"/>
+                <a16:creationId xmlns:a16="http://schemas.microsoft.com/office/drawing/2014/main" id="{37C8DF28-5C09-6A48-F8F2-7FDEF2F08711}"/>
               </a:ext>
             </a:extLst>
           </p:cNvPr>
@@ -2357,7 +2357,7 @@
           <p:cNvPr id="5" name="日期占位符 4">
             <a:extLst>
               <a:ext uri="{FF2B5EF4-FFF2-40B4-BE49-F238E27FC236}">
-                <a16:creationId xmlns:a16="http://schemas.microsoft.com/office/drawing/2014/main" id="{CBC7C81E-D6E8-CBB1-8350-28B74AC67E4E}"/>
+                <a16:creationId xmlns:a16="http://schemas.microsoft.com/office/drawing/2014/main" id="{EBE4F2C8-CF61-80AE-74D1-7DE5F0B8FEC1}"/>
               </a:ext>
             </a:extLst>
           </p:cNvPr>
@@ -2373,7 +2373,7 @@
           <a:bodyPr/>
           <a:lstStyle/>
           <a:p>
-            <a:fld id="{9C6E38C6-04F2-49FB-BA12-6D22F1BD83FD}" type="datetimeFigureOut">
+            <a:fld id="{AD0817E9-1A25-4BDC-AD39-0C1A3F92BD95}" type="datetimeFigureOut">
               <a:rPr lang="zh-CN" altLang="en-US" smtClean="0"/>
               <a:t>2024/3/10</a:t>
             </a:fld>
@@ -2386,7 +2386,7 @@
           <p:cNvPr id="6" name="页脚占位符 5">
             <a:extLst>
               <a:ext uri="{FF2B5EF4-FFF2-40B4-BE49-F238E27FC236}">
-                <a16:creationId xmlns:a16="http://schemas.microsoft.com/office/drawing/2014/main" id="{6F35FF58-5232-F9F6-C9D2-B7296D07CC23}"/>
+                <a16:creationId xmlns:a16="http://schemas.microsoft.com/office/drawing/2014/main" id="{92F90803-05AA-7071-06BC-C71F8028B6EF}"/>
               </a:ext>
             </a:extLst>
           </p:cNvPr>
@@ -2411,7 +2411,7 @@
           <p:cNvPr id="7" name="灯片编号占位符 6">
             <a:extLst>
               <a:ext uri="{FF2B5EF4-FFF2-40B4-BE49-F238E27FC236}">
-                <a16:creationId xmlns:a16="http://schemas.microsoft.com/office/drawing/2014/main" id="{993036DE-0DB8-3159-0747-A8EB1C3EBF4B}"/>
+                <a16:creationId xmlns:a16="http://schemas.microsoft.com/office/drawing/2014/main" id="{D2D4EF3A-F1D6-D447-2BEC-8139C3E89374}"/>
               </a:ext>
             </a:extLst>
           </p:cNvPr>
@@ -2427,7 +2427,7 @@
           <a:bodyPr/>
           <a:lstStyle/>
           <a:p>
-            <a:fld id="{CA7C2459-FDB0-446B-82BB-369E387A7324}" type="slidenum">
+            <a:fld id="{8935B087-26F9-49A5-A3ED-B53DFD571426}" type="slidenum">
               <a:rPr lang="zh-CN" altLang="en-US" smtClean="0"/>
               <a:t>‹#›</a:t>
             </a:fld>
@@ -2438,7 +2438,7 @@
     </p:spTree>
     <p:extLst>
       <p:ext uri="{BB962C8B-B14F-4D97-AF65-F5344CB8AC3E}">
-        <p14:creationId xmlns:p14="http://schemas.microsoft.com/office/powerpoint/2010/main" val="2332451961"/>
+        <p14:creationId xmlns:p14="http://schemas.microsoft.com/office/powerpoint/2010/main" val="2891103803"/>
       </p:ext>
     </p:extLst>
   </p:cSld>
@@ -2470,7 +2470,7 @@
           <p:cNvPr id="2" name="标题 1">
             <a:extLst>
               <a:ext uri="{FF2B5EF4-FFF2-40B4-BE49-F238E27FC236}">
-                <a16:creationId xmlns:a16="http://schemas.microsoft.com/office/drawing/2014/main" id="{7C0CAFDD-27AC-74A9-3EF8-90EEC8B6988B}"/>
+                <a16:creationId xmlns:a16="http://schemas.microsoft.com/office/drawing/2014/main" id="{FD0CD171-D17B-7EA8-F965-A406BFD1517A}"/>
               </a:ext>
             </a:extLst>
           </p:cNvPr>
@@ -2507,7 +2507,7 @@
           <p:cNvPr id="3" name="图片占位符 2">
             <a:extLst>
               <a:ext uri="{FF2B5EF4-FFF2-40B4-BE49-F238E27FC236}">
-                <a16:creationId xmlns:a16="http://schemas.microsoft.com/office/drawing/2014/main" id="{60537DC1-986E-16A9-990A-7F30D6194DA7}"/>
+                <a16:creationId xmlns:a16="http://schemas.microsoft.com/office/drawing/2014/main" id="{9CD5F2F9-EFCD-9A15-451E-CFC4034E30CA}"/>
               </a:ext>
             </a:extLst>
           </p:cNvPr>
@@ -2574,7 +2574,7 @@
           <p:cNvPr id="4" name="文本占位符 3">
             <a:extLst>
               <a:ext uri="{FF2B5EF4-FFF2-40B4-BE49-F238E27FC236}">
-                <a16:creationId xmlns:a16="http://schemas.microsoft.com/office/drawing/2014/main" id="{D0287E05-C561-31FF-119D-55420D8C953F}"/>
+                <a16:creationId xmlns:a16="http://schemas.microsoft.com/office/drawing/2014/main" id="{098DA074-8E97-99F8-7256-A7BCD57DFDCD}"/>
               </a:ext>
             </a:extLst>
           </p:cNvPr>
@@ -2645,7 +2645,7 @@
           <p:cNvPr id="5" name="日期占位符 4">
             <a:extLst>
               <a:ext uri="{FF2B5EF4-FFF2-40B4-BE49-F238E27FC236}">
-                <a16:creationId xmlns:a16="http://schemas.microsoft.com/office/drawing/2014/main" id="{6A654DD9-5A23-1798-7876-8294678E7F49}"/>
+                <a16:creationId xmlns:a16="http://schemas.microsoft.com/office/drawing/2014/main" id="{A339659A-A91B-61FF-560F-7D851D738A08}"/>
               </a:ext>
             </a:extLst>
           </p:cNvPr>
@@ -2661,7 +2661,7 @@
           <a:bodyPr/>
           <a:lstStyle/>
           <a:p>
-            <a:fld id="{9C6E38C6-04F2-49FB-BA12-6D22F1BD83FD}" type="datetimeFigureOut">
+            <a:fld id="{AD0817E9-1A25-4BDC-AD39-0C1A3F92BD95}" type="datetimeFigureOut">
               <a:rPr lang="zh-CN" altLang="en-US" smtClean="0"/>
               <a:t>2024/3/10</a:t>
             </a:fld>
@@ -2674,7 +2674,7 @@
           <p:cNvPr id="6" name="页脚占位符 5">
             <a:extLst>
               <a:ext uri="{FF2B5EF4-FFF2-40B4-BE49-F238E27FC236}">
-                <a16:creationId xmlns:a16="http://schemas.microsoft.com/office/drawing/2014/main" id="{D8E03108-2E02-459C-32A2-C619E0DD60CE}"/>
+                <a16:creationId xmlns:a16="http://schemas.microsoft.com/office/drawing/2014/main" id="{AE957606-679F-B05C-DD93-4D245501F20F}"/>
               </a:ext>
             </a:extLst>
           </p:cNvPr>
@@ -2699,7 +2699,7 @@
           <p:cNvPr id="7" name="灯片编号占位符 6">
             <a:extLst>
               <a:ext uri="{FF2B5EF4-FFF2-40B4-BE49-F238E27FC236}">
-                <a16:creationId xmlns:a16="http://schemas.microsoft.com/office/drawing/2014/main" id="{08BB2D8E-EA5A-811D-8990-A3EF6DD2FADA}"/>
+                <a16:creationId xmlns:a16="http://schemas.microsoft.com/office/drawing/2014/main" id="{D582FE47-24E1-4B83-C535-3738B5C25F97}"/>
               </a:ext>
             </a:extLst>
           </p:cNvPr>
@@ -2715,7 +2715,7 @@
           <a:bodyPr/>
           <a:lstStyle/>
           <a:p>
-            <a:fld id="{CA7C2459-FDB0-446B-82BB-369E387A7324}" type="slidenum">
+            <a:fld id="{8935B087-26F9-49A5-A3ED-B53DFD571426}" type="slidenum">
               <a:rPr lang="zh-CN" altLang="en-US" smtClean="0"/>
               <a:t>‹#›</a:t>
             </a:fld>
@@ -2726,7 +2726,7 @@
     </p:spTree>
     <p:extLst>
       <p:ext uri="{BB962C8B-B14F-4D97-AF65-F5344CB8AC3E}">
-        <p14:creationId xmlns:p14="http://schemas.microsoft.com/office/powerpoint/2010/main" val="2328375202"/>
+        <p14:creationId xmlns:p14="http://schemas.microsoft.com/office/powerpoint/2010/main" val="4053597125"/>
       </p:ext>
     </p:extLst>
   </p:cSld>
@@ -2763,7 +2763,7 @@
           <p:cNvPr id="2" name="标题占位符 1">
             <a:extLst>
               <a:ext uri="{FF2B5EF4-FFF2-40B4-BE49-F238E27FC236}">
-                <a16:creationId xmlns:a16="http://schemas.microsoft.com/office/drawing/2014/main" id="{EE29A7F8-D960-A500-44DE-D5A46281F612}"/>
+                <a16:creationId xmlns:a16="http://schemas.microsoft.com/office/drawing/2014/main" id="{CB890406-1AF1-94EB-ABFD-E0B3087CF3C1}"/>
               </a:ext>
             </a:extLst>
           </p:cNvPr>
@@ -2801,7 +2801,7 @@
           <p:cNvPr id="3" name="文本占位符 2">
             <a:extLst>
               <a:ext uri="{FF2B5EF4-FFF2-40B4-BE49-F238E27FC236}">
-                <a16:creationId xmlns:a16="http://schemas.microsoft.com/office/drawing/2014/main" id="{78B3B0A4-FC20-A856-C180-45E457ED3639}"/>
+                <a16:creationId xmlns:a16="http://schemas.microsoft.com/office/drawing/2014/main" id="{905AE63B-FC6B-494F-D0BF-80732650978F}"/>
               </a:ext>
             </a:extLst>
           </p:cNvPr>
@@ -2868,7 +2868,7 @@
           <p:cNvPr id="4" name="日期占位符 3">
             <a:extLst>
               <a:ext uri="{FF2B5EF4-FFF2-40B4-BE49-F238E27FC236}">
-                <a16:creationId xmlns:a16="http://schemas.microsoft.com/office/drawing/2014/main" id="{2ED05A9D-1E31-3F08-9538-CE5EAD64B559}"/>
+                <a16:creationId xmlns:a16="http://schemas.microsoft.com/office/drawing/2014/main" id="{C241FF18-9B51-0472-55A2-458FD0C97F6A}"/>
               </a:ext>
             </a:extLst>
           </p:cNvPr>
@@ -2902,7 +2902,7 @@
             </a:lvl1pPr>
           </a:lstStyle>
           <a:p>
-            <a:fld id="{9C6E38C6-04F2-49FB-BA12-6D22F1BD83FD}" type="datetimeFigureOut">
+            <a:fld id="{AD0817E9-1A25-4BDC-AD39-0C1A3F92BD95}" type="datetimeFigureOut">
               <a:rPr lang="zh-CN" altLang="en-US" smtClean="0"/>
               <a:t>2024/3/10</a:t>
             </a:fld>
@@ -2915,7 +2915,7 @@
           <p:cNvPr id="5" name="页脚占位符 4">
             <a:extLst>
               <a:ext uri="{FF2B5EF4-FFF2-40B4-BE49-F238E27FC236}">
-                <a16:creationId xmlns:a16="http://schemas.microsoft.com/office/drawing/2014/main" id="{AB82ACDC-062D-287D-F2B7-3BE8C342EF8E}"/>
+                <a16:creationId xmlns:a16="http://schemas.microsoft.com/office/drawing/2014/main" id="{D6F7E080-12AA-B4E1-EE32-FF99FEC7044C}"/>
               </a:ext>
             </a:extLst>
           </p:cNvPr>
@@ -2958,7 +2958,7 @@
           <p:cNvPr id="6" name="灯片编号占位符 5">
             <a:extLst>
               <a:ext uri="{FF2B5EF4-FFF2-40B4-BE49-F238E27FC236}">
-                <a16:creationId xmlns:a16="http://schemas.microsoft.com/office/drawing/2014/main" id="{9D53EEEA-952E-E18F-0180-CC2F8D607F1E}"/>
+                <a16:creationId xmlns:a16="http://schemas.microsoft.com/office/drawing/2014/main" id="{F9D41B10-A912-2379-F8E4-F002CA53050C}"/>
               </a:ext>
             </a:extLst>
           </p:cNvPr>
@@ -2992,7 +2992,7 @@
             </a:lvl1pPr>
           </a:lstStyle>
           <a:p>
-            <a:fld id="{CA7C2459-FDB0-446B-82BB-369E387A7324}" type="slidenum">
+            <a:fld id="{8935B087-26F9-49A5-A3ED-B53DFD571426}" type="slidenum">
               <a:rPr lang="zh-CN" altLang="en-US" smtClean="0"/>
               <a:t>‹#›</a:t>
             </a:fld>
@@ -3003,7 +3003,7 @@
     </p:spTree>
     <p:extLst>
       <p:ext uri="{BB962C8B-B14F-4D97-AF65-F5344CB8AC3E}">
-        <p14:creationId xmlns:p14="http://schemas.microsoft.com/office/powerpoint/2010/main" val="2626309904"/>
+        <p14:creationId xmlns:p14="http://schemas.microsoft.com/office/powerpoint/2010/main" val="3171157551"/>
       </p:ext>
     </p:extLst>
   </p:cSld>
@@ -3323,7 +3323,7 @@
       </p:grpSpPr>
       <p:pic>
         <p:nvPicPr>
-          <p:cNvPr id="372738" name="Picture 2" descr="363"/>
+          <p:cNvPr id="373762" name="Picture 2" descr="364"/>
           <p:cNvPicPr>
             <a:picLocks noChangeAspect="1" noChangeArrowheads="1"/>
           </p:cNvPicPr>
